--- a/assets/media/logo.pptx
+++ b/assets/media/logo.pptx
@@ -346,7 +346,7 @@
           <a:p>
             <a:fld id="{8376FA21-1A69-004C-9059-E8160706B0E0}" type="datetimeFigureOut">
               <a:rPr kumimoji="1" lang="ja-JP" altLang="en-US" smtClean="0"/>
-              <a:t>2023/10/20</a:t>
+              <a:t>2023/11/16</a:t>
             </a:fld>
             <a:endParaRPr kumimoji="1" lang="ja-JP" altLang="en-US"/>
           </a:p>
@@ -576,7 +576,7 @@
           <a:p>
             <a:fld id="{8376FA21-1A69-004C-9059-E8160706B0E0}" type="datetimeFigureOut">
               <a:rPr kumimoji="1" lang="ja-JP" altLang="en-US" smtClean="0"/>
-              <a:t>2023/10/20</a:t>
+              <a:t>2023/11/16</a:t>
             </a:fld>
             <a:endParaRPr kumimoji="1" lang="ja-JP" altLang="en-US"/>
           </a:p>
@@ -816,7 +816,7 @@
           <a:p>
             <a:fld id="{8376FA21-1A69-004C-9059-E8160706B0E0}" type="datetimeFigureOut">
               <a:rPr kumimoji="1" lang="ja-JP" altLang="en-US" smtClean="0"/>
-              <a:t>2023/10/20</a:t>
+              <a:t>2023/11/16</a:t>
             </a:fld>
             <a:endParaRPr kumimoji="1" lang="ja-JP" altLang="en-US"/>
           </a:p>
@@ -1046,7 +1046,7 @@
           <a:p>
             <a:fld id="{8376FA21-1A69-004C-9059-E8160706B0E0}" type="datetimeFigureOut">
               <a:rPr kumimoji="1" lang="ja-JP" altLang="en-US" smtClean="0"/>
-              <a:t>2023/10/20</a:t>
+              <a:t>2023/11/16</a:t>
             </a:fld>
             <a:endParaRPr kumimoji="1" lang="ja-JP" altLang="en-US"/>
           </a:p>
@@ -1321,7 +1321,7 @@
           <a:p>
             <a:fld id="{8376FA21-1A69-004C-9059-E8160706B0E0}" type="datetimeFigureOut">
               <a:rPr kumimoji="1" lang="ja-JP" altLang="en-US" smtClean="0"/>
-              <a:t>2023/10/20</a:t>
+              <a:t>2023/11/16</a:t>
             </a:fld>
             <a:endParaRPr kumimoji="1" lang="ja-JP" altLang="en-US"/>
           </a:p>
@@ -1650,7 +1650,7 @@
           <a:p>
             <a:fld id="{8376FA21-1A69-004C-9059-E8160706B0E0}" type="datetimeFigureOut">
               <a:rPr kumimoji="1" lang="ja-JP" altLang="en-US" smtClean="0"/>
-              <a:t>2023/10/20</a:t>
+              <a:t>2023/11/16</a:t>
             </a:fld>
             <a:endParaRPr kumimoji="1" lang="ja-JP" altLang="en-US"/>
           </a:p>
@@ -2126,7 +2126,7 @@
           <a:p>
             <a:fld id="{8376FA21-1A69-004C-9059-E8160706B0E0}" type="datetimeFigureOut">
               <a:rPr kumimoji="1" lang="ja-JP" altLang="en-US" smtClean="0"/>
-              <a:t>2023/10/20</a:t>
+              <a:t>2023/11/16</a:t>
             </a:fld>
             <a:endParaRPr kumimoji="1" lang="ja-JP" altLang="en-US"/>
           </a:p>
@@ -2267,7 +2267,7 @@
           <a:p>
             <a:fld id="{8376FA21-1A69-004C-9059-E8160706B0E0}" type="datetimeFigureOut">
               <a:rPr kumimoji="1" lang="ja-JP" altLang="en-US" smtClean="0"/>
-              <a:t>2023/10/20</a:t>
+              <a:t>2023/11/16</a:t>
             </a:fld>
             <a:endParaRPr kumimoji="1" lang="ja-JP" altLang="en-US"/>
           </a:p>
@@ -2380,7 +2380,7 @@
           <a:p>
             <a:fld id="{8376FA21-1A69-004C-9059-E8160706B0E0}" type="datetimeFigureOut">
               <a:rPr kumimoji="1" lang="ja-JP" altLang="en-US" smtClean="0"/>
-              <a:t>2023/10/20</a:t>
+              <a:t>2023/11/16</a:t>
             </a:fld>
             <a:endParaRPr kumimoji="1" lang="ja-JP" altLang="en-US"/>
           </a:p>
@@ -2723,7 +2723,7 @@
           <a:p>
             <a:fld id="{8376FA21-1A69-004C-9059-E8160706B0E0}" type="datetimeFigureOut">
               <a:rPr kumimoji="1" lang="ja-JP" altLang="en-US" smtClean="0"/>
-              <a:t>2023/10/20</a:t>
+              <a:t>2023/11/16</a:t>
             </a:fld>
             <a:endParaRPr kumimoji="1" lang="ja-JP" altLang="en-US"/>
           </a:p>
@@ -3011,7 +3011,7 @@
           <a:p>
             <a:fld id="{8376FA21-1A69-004C-9059-E8160706B0E0}" type="datetimeFigureOut">
               <a:rPr kumimoji="1" lang="ja-JP" altLang="en-US" smtClean="0"/>
-              <a:t>2023/10/20</a:t>
+              <a:t>2023/11/16</a:t>
             </a:fld>
             <a:endParaRPr kumimoji="1" lang="ja-JP" altLang="en-US"/>
           </a:p>
@@ -3284,7 +3284,7 @@
           <a:p>
             <a:fld id="{8376FA21-1A69-004C-9059-E8160706B0E0}" type="datetimeFigureOut">
               <a:rPr kumimoji="1" lang="ja-JP" altLang="en-US" smtClean="0"/>
-              <a:t>2023/10/20</a:t>
+              <a:t>2023/11/16</a:t>
             </a:fld>
             <a:endParaRPr kumimoji="1" lang="ja-JP" altLang="en-US"/>
           </a:p>
@@ -3730,81 +3730,181 @@
           <a:lstStyle/>
           <a:p>
             <a:r>
-              <a:rPr kumimoji="1" lang="ja-JP" altLang="en-US" sz="3200">
+              <a:rPr kumimoji="1" lang="ja-JP" altLang="en-US" sz="3200" b="1">
+                <a:ln w="12700">
+                  <a:solidFill>
+                    <a:schemeClr val="bg1"/>
+                  </a:solidFill>
+                </a:ln>
                 <a:latin typeface="UD Digi Kyokasho NP-B" panose="02020700000000000000" pitchFamily="18" charset="-128"/>
                 <a:ea typeface="UD Digi Kyokasho NP-B" panose="02020700000000000000" pitchFamily="18" charset="-128"/>
               </a:rPr>
               <a:t>情報処理学会</a:t>
             </a:r>
-            <a:endParaRPr kumimoji="1" lang="en-US" altLang="ja-JP" sz="3200" dirty="0">
+            <a:endParaRPr kumimoji="1" lang="en-US" altLang="ja-JP" sz="3200" b="1" dirty="0">
+              <a:ln w="12700">
+                <a:solidFill>
+                  <a:schemeClr val="bg1"/>
+                </a:solidFill>
+              </a:ln>
               <a:latin typeface="UD Digi Kyokasho NP-B" panose="02020700000000000000" pitchFamily="18" charset="-128"/>
               <a:ea typeface="UD Digi Kyokasho NP-B" panose="02020700000000000000" pitchFamily="18" charset="-128"/>
             </a:endParaRPr>
           </a:p>
           <a:p>
             <a:r>
-              <a:rPr kumimoji="1" lang="ja-JP" altLang="en-US" sz="4400">
+              <a:rPr kumimoji="1" lang="ja-JP" altLang="en-US" sz="4400" b="1">
+                <a:ln w="12700">
+                  <a:solidFill>
+                    <a:schemeClr val="bg1"/>
+                  </a:solidFill>
+                </a:ln>
                 <a:latin typeface="UD Digi Kyokasho NP-B" panose="02020700000000000000" pitchFamily="18" charset="-128"/>
                 <a:ea typeface="UD Digi Kyokasho NP-B" panose="02020700000000000000" pitchFamily="18" charset="-128"/>
               </a:rPr>
               <a:t>システムソフトウェアと</a:t>
             </a:r>
-            <a:endParaRPr kumimoji="1" lang="en-US" altLang="ja-JP" sz="4400" dirty="0">
+            <a:endParaRPr kumimoji="1" lang="en-US" altLang="ja-JP" sz="4400" b="1" dirty="0">
+              <a:ln w="12700">
+                <a:solidFill>
+                  <a:schemeClr val="bg1"/>
+                </a:solidFill>
+              </a:ln>
               <a:latin typeface="UD Digi Kyokasho NP-B" panose="02020700000000000000" pitchFamily="18" charset="-128"/>
               <a:ea typeface="UD Digi Kyokasho NP-B" panose="02020700000000000000" pitchFamily="18" charset="-128"/>
             </a:endParaRPr>
           </a:p>
           <a:p>
             <a:r>
-              <a:rPr lang="ja-JP" altLang="en-US" sz="4400">
+              <a:rPr lang="ja-JP" altLang="en-US" sz="4400" b="1">
+                <a:ln w="12700">
+                  <a:solidFill>
+                    <a:schemeClr val="bg1"/>
+                  </a:solidFill>
+                </a:ln>
                 <a:latin typeface="UD Digi Kyokasho NP-B" panose="02020700000000000000" pitchFamily="18" charset="-128"/>
                 <a:ea typeface="UD Digi Kyokasho NP-B" panose="02020700000000000000" pitchFamily="18" charset="-128"/>
               </a:rPr>
               <a:t>オペレーティング・システム研究会</a:t>
             </a:r>
-            <a:endParaRPr lang="en-US" altLang="ja-JP" sz="4400" dirty="0">
+            <a:endParaRPr lang="en-US" altLang="ja-JP" sz="4400" b="1" dirty="0">
+              <a:ln w="12700">
+                <a:solidFill>
+                  <a:schemeClr val="bg1"/>
+                </a:solidFill>
+              </a:ln>
               <a:latin typeface="UD Digi Kyokasho NP-B" panose="02020700000000000000" pitchFamily="18" charset="-128"/>
               <a:ea typeface="UD Digi Kyokasho NP-B" panose="02020700000000000000" pitchFamily="18" charset="-128"/>
             </a:endParaRPr>
           </a:p>
         </p:txBody>
       </p:sp>
-      <p:pic>
-        <p:nvPicPr>
-          <p:cNvPr id="14" name="グラフィックス 13">
-            <a:extLst>
-              <a:ext uri="{FF2B5EF4-FFF2-40B4-BE49-F238E27FC236}">
-                <a16:creationId xmlns:a16="http://schemas.microsoft.com/office/drawing/2014/main" id="{C30ACEDF-D718-923F-5D8D-54A85F117873}"/>
-              </a:ext>
-            </a:extLst>
-          </p:cNvPr>
-          <p:cNvPicPr>
-            <a:picLocks noChangeAspect="1"/>
-          </p:cNvPicPr>
+      <p:grpSp>
+        <p:nvGrpSpPr>
+          <p:cNvPr id="3" name="グループ化 2">
+            <a:extLst>
+              <a:ext uri="{FF2B5EF4-FFF2-40B4-BE49-F238E27FC236}">
+                <a16:creationId xmlns:a16="http://schemas.microsoft.com/office/drawing/2014/main" id="{1E4A7E53-9BEC-E55C-A285-677597937763}"/>
+              </a:ext>
+            </a:extLst>
+          </p:cNvPr>
+          <p:cNvGrpSpPr/>
           <p:nvPr/>
-        </p:nvPicPr>
-        <p:blipFill>
-          <a:blip r:embed="rId2">
-            <a:extLst>
-              <a:ext uri="{96DAC541-7B7A-43D3-8B79-37D633B846F1}">
-                <asvg:svgBlip xmlns:asvg="http://schemas.microsoft.com/office/drawing/2016/SVG/main" r:embed="rId3"/>
-              </a:ext>
-            </a:extLst>
-          </a:blip>
-          <a:stretch>
-            <a:fillRect/>
-          </a:stretch>
-        </p:blipFill>
-        <p:spPr>
+        </p:nvGrpSpPr>
+        <p:grpSpPr>
           <a:xfrm>
-            <a:off x="484632" y="2509912"/>
-            <a:ext cx="2172390" cy="1838176"/>
+            <a:off x="484632" y="2492555"/>
+            <a:ext cx="2172390" cy="1872000"/>
+            <a:chOff x="484632" y="2492555"/>
+            <a:chExt cx="2172390" cy="1872000"/>
           </a:xfrm>
-          <a:prstGeom prst="rect">
-            <a:avLst/>
-          </a:prstGeom>
-        </p:spPr>
-      </p:pic>
+        </p:grpSpPr>
+        <p:sp>
+          <p:nvSpPr>
+            <p:cNvPr id="2" name="円/楕円 1">
+              <a:extLst>
+                <a:ext uri="{FF2B5EF4-FFF2-40B4-BE49-F238E27FC236}">
+                  <a16:creationId xmlns:a16="http://schemas.microsoft.com/office/drawing/2014/main" id="{F8FD9AA9-36EB-14C2-8F11-28FE4F92FDB1}"/>
+                </a:ext>
+              </a:extLst>
+            </p:cNvPr>
+            <p:cNvSpPr/>
+            <p:nvPr/>
+          </p:nvSpPr>
+          <p:spPr>
+            <a:xfrm>
+              <a:off x="627960" y="2492555"/>
+              <a:ext cx="1872000" cy="1872000"/>
+            </a:xfrm>
+            <a:prstGeom prst="ellipse">
+              <a:avLst/>
+            </a:prstGeom>
+            <a:solidFill>
+              <a:schemeClr val="bg1"/>
+            </a:solidFill>
+          </p:spPr>
+          <p:style>
+            <a:lnRef idx="2">
+              <a:schemeClr val="accent1">
+                <a:shade val="15000"/>
+              </a:schemeClr>
+            </a:lnRef>
+            <a:fillRef idx="1">
+              <a:schemeClr val="accent1"/>
+            </a:fillRef>
+            <a:effectRef idx="0">
+              <a:schemeClr val="accent1"/>
+            </a:effectRef>
+            <a:fontRef idx="minor">
+              <a:schemeClr val="lt1"/>
+            </a:fontRef>
+          </p:style>
+          <p:txBody>
+            <a:bodyPr rtlCol="0" anchor="ctr"/>
+            <a:lstStyle/>
+            <a:p>
+              <a:pPr algn="ctr"/>
+              <a:endParaRPr kumimoji="1" lang="ja-JP" altLang="en-US"/>
+            </a:p>
+          </p:txBody>
+        </p:sp>
+        <p:pic>
+          <p:nvPicPr>
+            <p:cNvPr id="14" name="グラフィックス 13">
+              <a:extLst>
+                <a:ext uri="{FF2B5EF4-FFF2-40B4-BE49-F238E27FC236}">
+                  <a16:creationId xmlns:a16="http://schemas.microsoft.com/office/drawing/2014/main" id="{C30ACEDF-D718-923F-5D8D-54A85F117873}"/>
+                </a:ext>
+              </a:extLst>
+            </p:cNvPr>
+            <p:cNvPicPr>
+              <a:picLocks noChangeAspect="1"/>
+            </p:cNvPicPr>
+            <p:nvPr/>
+          </p:nvPicPr>
+          <p:blipFill>
+            <a:blip r:embed="rId2">
+              <a:extLst>
+                <a:ext uri="{96DAC541-7B7A-43D3-8B79-37D633B846F1}">
+                  <asvg:svgBlip xmlns:asvg="http://schemas.microsoft.com/office/drawing/2016/SVG/main" r:embed="rId3"/>
+                </a:ext>
+              </a:extLst>
+            </a:blip>
+            <a:stretch>
+              <a:fillRect/>
+            </a:stretch>
+          </p:blipFill>
+          <p:spPr>
+            <a:xfrm>
+              <a:off x="484632" y="2509912"/>
+              <a:ext cx="2172390" cy="1838176"/>
+            </a:xfrm>
+            <a:prstGeom prst="rect">
+              <a:avLst/>
+            </a:prstGeom>
+          </p:spPr>
+        </p:pic>
+      </p:grpSp>
     </p:spTree>
     <p:extLst>
       <p:ext uri="{BB962C8B-B14F-4D97-AF65-F5344CB8AC3E}">
@@ -4165,8 +4265,8 @@
         </p:nvSpPr>
         <p:spPr>
           <a:xfrm>
-            <a:off x="2571750" y="2305614"/>
-            <a:ext cx="3650358" cy="1508105"/>
+            <a:off x="2538699" y="2268059"/>
+            <a:ext cx="3650358" cy="1569660"/>
           </a:xfrm>
           <a:prstGeom prst="rect">
             <a:avLst/>
@@ -4179,9 +4279,18 @@
           </a:bodyPr>
           <a:lstStyle/>
           <a:p>
-            <a:pPr algn="ctr"/>
-            <a:r>
-              <a:rPr kumimoji="1" lang="ja-JP" altLang="en-US" sz="3200">
+            <a:r>
+              <a:rPr kumimoji="1" lang="en-US" altLang="ja-JP" sz="3600" dirty="0">
+                <a:solidFill>
+                  <a:srgbClr val="002060"/>
+                </a:solidFill>
+                <a:latin typeface="UD Digi Kyokasho NP-B" panose="02020700000000000000" pitchFamily="18" charset="-128"/>
+                <a:ea typeface="UD Digi Kyokasho NP-B" panose="02020700000000000000" pitchFamily="18" charset="-128"/>
+              </a:rPr>
+              <a:t> </a:t>
+            </a:r>
+            <a:r>
+              <a:rPr kumimoji="1" lang="ja-JP" altLang="en-US" sz="3600">
                 <a:solidFill>
                   <a:srgbClr val="002060"/>
                 </a:solidFill>
@@ -4190,7 +4299,7 @@
               </a:rPr>
               <a:t>情報処理学会</a:t>
             </a:r>
-            <a:endParaRPr kumimoji="1" lang="en-US" altLang="ja-JP" sz="3200" dirty="0">
+            <a:endParaRPr kumimoji="1" lang="en-US" altLang="ja-JP" sz="3600" dirty="0">
               <a:solidFill>
                 <a:srgbClr val="002060"/>
               </a:solidFill>

--- a/assets/media/logo.pptx
+++ b/assets/media/logo.pptx
@@ -346,7 +346,7 @@
           <a:p>
             <a:fld id="{8376FA21-1A69-004C-9059-E8160706B0E0}" type="datetimeFigureOut">
               <a:rPr kumimoji="1" lang="ja-JP" altLang="en-US" smtClean="0"/>
-              <a:t>2023/11/16</a:t>
+              <a:t>2023/12/14</a:t>
             </a:fld>
             <a:endParaRPr kumimoji="1" lang="ja-JP" altLang="en-US"/>
           </a:p>
@@ -576,7 +576,7 @@
           <a:p>
             <a:fld id="{8376FA21-1A69-004C-9059-E8160706B0E0}" type="datetimeFigureOut">
               <a:rPr kumimoji="1" lang="ja-JP" altLang="en-US" smtClean="0"/>
-              <a:t>2023/11/16</a:t>
+              <a:t>2023/12/14</a:t>
             </a:fld>
             <a:endParaRPr kumimoji="1" lang="ja-JP" altLang="en-US"/>
           </a:p>
@@ -816,7 +816,7 @@
           <a:p>
             <a:fld id="{8376FA21-1A69-004C-9059-E8160706B0E0}" type="datetimeFigureOut">
               <a:rPr kumimoji="1" lang="ja-JP" altLang="en-US" smtClean="0"/>
-              <a:t>2023/11/16</a:t>
+              <a:t>2023/12/14</a:t>
             </a:fld>
             <a:endParaRPr kumimoji="1" lang="ja-JP" altLang="en-US"/>
           </a:p>
@@ -1046,7 +1046,7 @@
           <a:p>
             <a:fld id="{8376FA21-1A69-004C-9059-E8160706B0E0}" type="datetimeFigureOut">
               <a:rPr kumimoji="1" lang="ja-JP" altLang="en-US" smtClean="0"/>
-              <a:t>2023/11/16</a:t>
+              <a:t>2023/12/14</a:t>
             </a:fld>
             <a:endParaRPr kumimoji="1" lang="ja-JP" altLang="en-US"/>
           </a:p>
@@ -1321,7 +1321,7 @@
           <a:p>
             <a:fld id="{8376FA21-1A69-004C-9059-E8160706B0E0}" type="datetimeFigureOut">
               <a:rPr kumimoji="1" lang="ja-JP" altLang="en-US" smtClean="0"/>
-              <a:t>2023/11/16</a:t>
+              <a:t>2023/12/14</a:t>
             </a:fld>
             <a:endParaRPr kumimoji="1" lang="ja-JP" altLang="en-US"/>
           </a:p>
@@ -1650,7 +1650,7 @@
           <a:p>
             <a:fld id="{8376FA21-1A69-004C-9059-E8160706B0E0}" type="datetimeFigureOut">
               <a:rPr kumimoji="1" lang="ja-JP" altLang="en-US" smtClean="0"/>
-              <a:t>2023/11/16</a:t>
+              <a:t>2023/12/14</a:t>
             </a:fld>
             <a:endParaRPr kumimoji="1" lang="ja-JP" altLang="en-US"/>
           </a:p>
@@ -2126,7 +2126,7 @@
           <a:p>
             <a:fld id="{8376FA21-1A69-004C-9059-E8160706B0E0}" type="datetimeFigureOut">
               <a:rPr kumimoji="1" lang="ja-JP" altLang="en-US" smtClean="0"/>
-              <a:t>2023/11/16</a:t>
+              <a:t>2023/12/14</a:t>
             </a:fld>
             <a:endParaRPr kumimoji="1" lang="ja-JP" altLang="en-US"/>
           </a:p>
@@ -2267,7 +2267,7 @@
           <a:p>
             <a:fld id="{8376FA21-1A69-004C-9059-E8160706B0E0}" type="datetimeFigureOut">
               <a:rPr kumimoji="1" lang="ja-JP" altLang="en-US" smtClean="0"/>
-              <a:t>2023/11/16</a:t>
+              <a:t>2023/12/14</a:t>
             </a:fld>
             <a:endParaRPr kumimoji="1" lang="ja-JP" altLang="en-US"/>
           </a:p>
@@ -2380,7 +2380,7 @@
           <a:p>
             <a:fld id="{8376FA21-1A69-004C-9059-E8160706B0E0}" type="datetimeFigureOut">
               <a:rPr kumimoji="1" lang="ja-JP" altLang="en-US" smtClean="0"/>
-              <a:t>2023/11/16</a:t>
+              <a:t>2023/12/14</a:t>
             </a:fld>
             <a:endParaRPr kumimoji="1" lang="ja-JP" altLang="en-US"/>
           </a:p>
@@ -2723,7 +2723,7 @@
           <a:p>
             <a:fld id="{8376FA21-1A69-004C-9059-E8160706B0E0}" type="datetimeFigureOut">
               <a:rPr kumimoji="1" lang="ja-JP" altLang="en-US" smtClean="0"/>
-              <a:t>2023/11/16</a:t>
+              <a:t>2023/12/14</a:t>
             </a:fld>
             <a:endParaRPr kumimoji="1" lang="ja-JP" altLang="en-US"/>
           </a:p>
@@ -3011,7 +3011,7 @@
           <a:p>
             <a:fld id="{8376FA21-1A69-004C-9059-E8160706B0E0}" type="datetimeFigureOut">
               <a:rPr kumimoji="1" lang="ja-JP" altLang="en-US" smtClean="0"/>
-              <a:t>2023/11/16</a:t>
+              <a:t>2023/12/14</a:t>
             </a:fld>
             <a:endParaRPr kumimoji="1" lang="ja-JP" altLang="en-US"/>
           </a:p>
@@ -3284,7 +3284,7 @@
           <a:p>
             <a:fld id="{8376FA21-1A69-004C-9059-E8160706B0E0}" type="datetimeFigureOut">
               <a:rPr kumimoji="1" lang="ja-JP" altLang="en-US" smtClean="0"/>
-              <a:t>2023/11/16</a:t>
+              <a:t>2023/12/14</a:t>
             </a:fld>
             <a:endParaRPr kumimoji="1" lang="ja-JP" altLang="en-US"/>
           </a:p>
@@ -3732,9 +3732,7 @@
             <a:r>
               <a:rPr kumimoji="1" lang="ja-JP" altLang="en-US" sz="3200" b="1">
                 <a:ln w="12700">
-                  <a:solidFill>
-                    <a:schemeClr val="bg1"/>
-                  </a:solidFill>
+                  <a:noFill/>
                 </a:ln>
                 <a:latin typeface="UD Digi Kyokasho NP-B" panose="02020700000000000000" pitchFamily="18" charset="-128"/>
                 <a:ea typeface="UD Digi Kyokasho NP-B" panose="02020700000000000000" pitchFamily="18" charset="-128"/>
@@ -3743,9 +3741,7 @@
             </a:r>
             <a:endParaRPr kumimoji="1" lang="en-US" altLang="ja-JP" sz="3200" b="1" dirty="0">
               <a:ln w="12700">
-                <a:solidFill>
-                  <a:schemeClr val="bg1"/>
-                </a:solidFill>
+                <a:noFill/>
               </a:ln>
               <a:latin typeface="UD Digi Kyokasho NP-B" panose="02020700000000000000" pitchFamily="18" charset="-128"/>
               <a:ea typeface="UD Digi Kyokasho NP-B" panose="02020700000000000000" pitchFamily="18" charset="-128"/>
@@ -3755,9 +3751,7 @@
             <a:r>
               <a:rPr kumimoji="1" lang="ja-JP" altLang="en-US" sz="4400" b="1">
                 <a:ln w="12700">
-                  <a:solidFill>
-                    <a:schemeClr val="bg1"/>
-                  </a:solidFill>
+                  <a:noFill/>
                 </a:ln>
                 <a:latin typeface="UD Digi Kyokasho NP-B" panose="02020700000000000000" pitchFamily="18" charset="-128"/>
                 <a:ea typeface="UD Digi Kyokasho NP-B" panose="02020700000000000000" pitchFamily="18" charset="-128"/>
@@ -3766,9 +3760,7 @@
             </a:r>
             <a:endParaRPr kumimoji="1" lang="en-US" altLang="ja-JP" sz="4400" b="1" dirty="0">
               <a:ln w="12700">
-                <a:solidFill>
-                  <a:schemeClr val="bg1"/>
-                </a:solidFill>
+                <a:noFill/>
               </a:ln>
               <a:latin typeface="UD Digi Kyokasho NP-B" panose="02020700000000000000" pitchFamily="18" charset="-128"/>
               <a:ea typeface="UD Digi Kyokasho NP-B" panose="02020700000000000000" pitchFamily="18" charset="-128"/>
@@ -3778,9 +3770,7 @@
             <a:r>
               <a:rPr lang="ja-JP" altLang="en-US" sz="4400" b="1">
                 <a:ln w="12700">
-                  <a:solidFill>
-                    <a:schemeClr val="bg1"/>
-                  </a:solidFill>
+                  <a:noFill/>
                 </a:ln>
                 <a:latin typeface="UD Digi Kyokasho NP-B" panose="02020700000000000000" pitchFamily="18" charset="-128"/>
                 <a:ea typeface="UD Digi Kyokasho NP-B" panose="02020700000000000000" pitchFamily="18" charset="-128"/>
@@ -3789,9 +3779,7 @@
             </a:r>
             <a:endParaRPr lang="en-US" altLang="ja-JP" sz="4400" b="1" dirty="0">
               <a:ln w="12700">
-                <a:solidFill>
-                  <a:schemeClr val="bg1"/>
-                </a:solidFill>
+                <a:noFill/>
               </a:ln>
               <a:latin typeface="UD Digi Kyokasho NP-B" panose="02020700000000000000" pitchFamily="18" charset="-128"/>
               <a:ea typeface="UD Digi Kyokasho NP-B" panose="02020700000000000000" pitchFamily="18" charset="-128"/>
